--- a/Problem_4_1_c2.pptx
+++ b/Problem_4_1_c2.pptx
@@ -5175,7 +5175,7 @@
             <p:spPr>
               <a:xfrm>
                 <a:off x="143837" y="392408"/>
-                <a:ext cx="11322121" cy="4247317"/>
+                <a:ext cx="11322121" cy="4524315"/>
               </a:xfrm>
               <a:prstGeom prst="rect">
                 <a:avLst/>
@@ -5667,6 +5667,127 @@
                         <a:latin typeface="Cambria Math" panose="02040503050406030204" pitchFamily="18" charset="0"/>
                       </a:rPr>
                       <m:t>𝑗</m:t>
+                    </m:r>
+                  </m:oMath>
+                </a14:m>
+                <a:r>
+                  <a:rPr lang="en-US" dirty="0"/>
+                  <a:t> (binary)</a:t>
+                </a:r>
+              </a:p>
+              <a:p>
+                <a:pPr marL="285750" indent="-285750">
+                  <a:buFont typeface="Arial" panose="020B0604020202020204" pitchFamily="34" charset="0"/>
+                  <a:buChar char="•"/>
+                </a:pPr>
+                <a14:m>
+                  <m:oMath xmlns:m="http://schemas.openxmlformats.org/officeDocument/2006/math">
+                    <m:r>
+                      <a:rPr lang="en-US" i="1">
+                        <a:latin typeface="Cambria Math" panose="02040503050406030204" pitchFamily="18" charset="0"/>
+                      </a:rPr>
+                      <m:t>𝑦</m:t>
+                    </m:r>
+                    <m:d>
+                      <m:dPr>
+                        <m:ctrlPr>
+                          <a:rPr lang="en-US" i="1">
+                            <a:latin typeface="Cambria Math" panose="02040503050406030204" pitchFamily="18" charset="0"/>
+                          </a:rPr>
+                        </m:ctrlPr>
+                      </m:dPr>
+                      <m:e>
+                        <m:r>
+                          <a:rPr lang="en-US" i="1">
+                            <a:latin typeface="Cambria Math" panose="02040503050406030204" pitchFamily="18" charset="0"/>
+                          </a:rPr>
+                          <m:t>𝑖</m:t>
+                        </m:r>
+                        <m:r>
+                          <a:rPr lang="en-US" i="1">
+                            <a:latin typeface="Cambria Math" panose="02040503050406030204" pitchFamily="18" charset="0"/>
+                          </a:rPr>
+                          <m:t>,</m:t>
+                        </m:r>
+                        <m:r>
+                          <a:rPr lang="en-US" i="1">
+                            <a:latin typeface="Cambria Math" panose="02040503050406030204" pitchFamily="18" charset="0"/>
+                          </a:rPr>
+                          <m:t>𝑘</m:t>
+                        </m:r>
+                      </m:e>
+                    </m:d>
+                    <m:r>
+                      <a:rPr lang="en-US" i="1">
+                        <a:latin typeface="Cambria Math" panose="02040503050406030204" pitchFamily="18" charset="0"/>
+                      </a:rPr>
+                      <m:t>≔</m:t>
+                    </m:r>
+                    <m:r>
+                      <a:rPr lang="en-US" b="0" i="1" smtClean="0">
+                        <a:latin typeface="Cambria Math" panose="02040503050406030204" pitchFamily="18" charset="0"/>
+                      </a:rPr>
+                      <m:t>𝑜𝑟𝑑𝑒𝑟</m:t>
+                    </m:r>
+                    <m:r>
+                      <a:rPr lang="en-US" b="0" i="1" smtClean="0">
+                        <a:latin typeface="Cambria Math" panose="02040503050406030204" pitchFamily="18" charset="0"/>
+                      </a:rPr>
+                      <m:t> </m:t>
+                    </m:r>
+                    <m:r>
+                      <a:rPr lang="en-US" i="1">
+                        <a:latin typeface="Cambria Math" panose="02040503050406030204" pitchFamily="18" charset="0"/>
+                      </a:rPr>
+                      <m:t>𝑖</m:t>
+                    </m:r>
+                    <m:r>
+                      <a:rPr lang="en-US" i="1">
+                        <a:latin typeface="Cambria Math" panose="02040503050406030204" pitchFamily="18" charset="0"/>
+                      </a:rPr>
+                      <m:t> </m:t>
+                    </m:r>
+                    <m:r>
+                      <a:rPr lang="en-US" b="0" i="1" smtClean="0">
+                        <a:latin typeface="Cambria Math" panose="02040503050406030204" pitchFamily="18" charset="0"/>
+                      </a:rPr>
+                      <m:t>𝑐𝑜𝑚𝑒𝑠</m:t>
+                    </m:r>
+                    <m:r>
+                      <a:rPr lang="en-US" b="0" i="1" smtClean="0">
+                        <a:latin typeface="Cambria Math" panose="02040503050406030204" pitchFamily="18" charset="0"/>
+                      </a:rPr>
+                      <m:t> </m:t>
+                    </m:r>
+                    <m:r>
+                      <a:rPr lang="en-US" b="0" i="1" smtClean="0">
+                        <a:latin typeface="Cambria Math" panose="02040503050406030204" pitchFamily="18" charset="0"/>
+                      </a:rPr>
+                      <m:t>𝑏𝑒𝑓𝑜𝑟𝑒</m:t>
+                    </m:r>
+                    <m:r>
+                      <a:rPr lang="en-US" b="0" i="1" smtClean="0">
+                        <a:latin typeface="Cambria Math" panose="02040503050406030204" pitchFamily="18" charset="0"/>
+                      </a:rPr>
+                      <m:t> </m:t>
+                    </m:r>
+                    <m:r>
+                      <a:rPr lang="en-US" b="0" i="1" smtClean="0">
+                        <a:latin typeface="Cambria Math" panose="02040503050406030204" pitchFamily="18" charset="0"/>
+                      </a:rPr>
+                      <m:t>𝑜𝑟𝑑𝑒𝑟</m:t>
+                    </m:r>
+                    <m:r>
+                      <a:rPr lang="en-US" i="1">
+                        <a:latin typeface="Cambria Math" panose="02040503050406030204" pitchFamily="18" charset="0"/>
+                      </a:rPr>
+                      <m:t> </m:t>
+                    </m:r>
+                    <m:r>
+                      <a:rPr lang="en-US" i="1">
+                        <a:latin typeface="Cambria Math" panose="02040503050406030204" pitchFamily="18" charset="0"/>
+                      </a:rPr>
+                      <m:t>𝑘</m:t>
                     </m:r>
                   </m:oMath>
                 </a14:m>
@@ -6153,7 +6274,7 @@
             <p:spPr>
               <a:xfrm>
                 <a:off x="143837" y="392408"/>
-                <a:ext cx="11322121" cy="4247317"/>
+                <a:ext cx="11322121" cy="4524315"/>
               </a:xfrm>
               <a:prstGeom prst="rect">
                 <a:avLst/>
@@ -6161,7 +6282,7 @@
               <a:blipFill>
                 <a:blip r:embed="rId2"/>
                 <a:stretch>
-                  <a:fillRect l="-485" t="-574"/>
+                  <a:fillRect l="-485" t="-538"/>
                 </a:stretch>
               </a:blipFill>
             </p:spPr>
@@ -9569,8 +9690,8 @@
           </a:p>
         </p:txBody>
       </p:sp>
-      <mc:AlternateContent xmlns:mc="http://schemas.openxmlformats.org/markup-compatibility/2006">
-        <mc:Choice xmlns:a14="http://schemas.microsoft.com/office/drawing/2010/main" Requires="a14">
+      <mc:AlternateContent xmlns:mc="http://schemas.openxmlformats.org/markup-compatibility/2006" xmlns:a14="http://schemas.microsoft.com/office/drawing/2010/main">
+        <mc:Choice Requires="a14">
           <p:sp>
             <p:nvSpPr>
               <p:cNvPr id="8" name="TextBox 7">
@@ -10657,7 +10778,7 @@
                         <m:begChr m:val="["/>
                         <m:endChr m:val="]"/>
                         <m:ctrlPr>
-                          <a:rPr lang="en-US" b="0" i="0" smtClean="0">
+                          <a:rPr lang="en-US" b="0" i="1" smtClean="0">
                             <a:latin typeface="Cambria Math" panose="02040503050406030204" pitchFamily="18" charset="0"/>
                           </a:rPr>
                         </m:ctrlPr>
@@ -10675,7 +10796,7 @@
                         <m:d>
                           <m:dPr>
                             <m:ctrlPr>
-                              <a:rPr lang="en-US" b="0" i="0" smtClean="0">
+                              <a:rPr lang="en-US" b="0" i="1" smtClean="0">
                                 <a:latin typeface="Cambria Math" panose="02040503050406030204" pitchFamily="18" charset="0"/>
                               </a:rPr>
                             </m:ctrlPr>
@@ -10917,13 +11038,7 @@
                       <a:rPr lang="en-US" i="1">
                         <a:latin typeface="Cambria Math" panose="02040503050406030204" pitchFamily="18" charset="0"/>
                       </a:rPr>
-                      <m:t>0</m:t>
-                    </m:r>
-                    <m:r>
-                      <a:rPr lang="en-US" i="1">
-                        <a:latin typeface="Cambria Math" panose="02040503050406030204" pitchFamily="18" charset="0"/>
-                      </a:rPr>
-                      <m:t>   ∀</m:t>
+                      <m:t>0   ∀</m:t>
                     </m:r>
                     <m:r>
                       <a:rPr lang="en-US" i="1">
@@ -10952,7 +11067,7 @@
             </p:txBody>
           </p:sp>
         </mc:Choice>
-        <mc:Fallback>
+        <mc:Fallback xmlns="">
           <p:sp>
             <p:nvSpPr>
               <p:cNvPr id="8" name="TextBox 7">
@@ -15883,8 +15998,8 @@
           </a:p>
         </p:txBody>
       </p:sp>
-      <mc:AlternateContent xmlns:mc="http://schemas.openxmlformats.org/markup-compatibility/2006">
-        <mc:Choice xmlns:a14="http://schemas.microsoft.com/office/drawing/2010/main" Requires="a14">
+      <mc:AlternateContent xmlns:mc="http://schemas.openxmlformats.org/markup-compatibility/2006" xmlns:a14="http://schemas.microsoft.com/office/drawing/2010/main">
+        <mc:Choice Requires="a14">
           <p:sp>
             <p:nvSpPr>
               <p:cNvPr id="2" name="TextBox 1">
@@ -16569,7 +16684,7 @@
             </p:txBody>
           </p:sp>
         </mc:Choice>
-        <mc:Fallback>
+        <mc:Fallback xmlns="">
           <p:sp>
             <p:nvSpPr>
               <p:cNvPr id="2" name="TextBox 1">
